--- a/vers_0001.pptx
+++ b/vers_0001.pptx
@@ -7,6 +7,11 @@
   <p:sldIdLst>
     <p:sldId id="256" r:id="rId2"/>
     <p:sldId id="257" r:id="rId3"/>
+    <p:sldId id="258" r:id="rId4"/>
+    <p:sldId id="260" r:id="rId5"/>
+    <p:sldId id="261" r:id="rId6"/>
+    <p:sldId id="262" r:id="rId7"/>
+    <p:sldId id="259" r:id="rId8"/>
   </p:sldIdLst>
   <p:sldSz cx="12192000" cy="6858000"/>
   <p:notesSz cx="6858000" cy="9144000"/>
@@ -105,6 +110,11 @@
       </a:defRPr>
     </a:lvl9pPr>
   </p:defaultTextStyle>
+  <p:extLst>
+    <p:ext uri="{EFAFB233-063F-42B5-8137-9DF3F51BA10A}">
+      <p15:sldGuideLst xmlns:p15="http://schemas.microsoft.com/office/powerpoint/2012/main"/>
+    </p:ext>
+  </p:extLst>
 </p:presentation>
 </file>
 
@@ -3769,16 +3779,619 @@
             </a:r>
             <a:r>
               <a:rPr lang="de-DE" dirty="0"/>
-              <a:t> (Zip Delete on Server)	</a:t>
+              <a:t> (Zip Delete on Server)</a:t>
+            </a:r>
+          </a:p>
+          <a:p>
+            <a:pPr lvl="1"/>
+            <a:r>
+              <a:rPr lang="de-DE" dirty="0"/>
+              <a:t>Umleitung/Message </a:t>
+            </a:r>
+            <a:r>
+              <a:rPr lang="de-DE" dirty="0" err="1"/>
+              <a:t>as</a:t>
+            </a:r>
+            <a:r>
+              <a:rPr lang="de-DE" dirty="0"/>
+              <a:t> </a:t>
+            </a:r>
+            <a:r>
+              <a:rPr lang="de-DE" dirty="0" err="1"/>
+              <a:t>popup</a:t>
+            </a:r>
+            <a:r>
+              <a:rPr lang="de-DE" dirty="0"/>
+              <a:t>	</a:t>
             </a:r>
             <a:endParaRPr lang="en-US" dirty="0"/>
           </a:p>
         </p:txBody>
       </p:sp>
+      <p:pic>
+        <p:nvPicPr>
+          <p:cNvPr id="5" name="Picture 4">
+            <a:extLst>
+              <a:ext uri="{FF2B5EF4-FFF2-40B4-BE49-F238E27FC236}">
+                <a16:creationId xmlns:a16="http://schemas.microsoft.com/office/drawing/2014/main" id="{6E7D7DB1-3C44-6E02-F37C-745B1402B32B}"/>
+              </a:ext>
+            </a:extLst>
+          </p:cNvPr>
+          <p:cNvPicPr>
+            <a:picLocks noChangeAspect="1"/>
+          </p:cNvPicPr>
+          <p:nvPr/>
+        </p:nvPicPr>
+        <p:blipFill>
+          <a:blip r:embed="rId2"/>
+          <a:stretch>
+            <a:fillRect/>
+          </a:stretch>
+        </p:blipFill>
+        <p:spPr>
+          <a:xfrm>
+            <a:off x="6629151" y="4238565"/>
+            <a:ext cx="3562847" cy="866896"/>
+          </a:xfrm>
+          <a:prstGeom prst="rect">
+            <a:avLst/>
+          </a:prstGeom>
+        </p:spPr>
+      </p:pic>
     </p:spTree>
     <p:extLst>
       <p:ext uri="{BB962C8B-B14F-4D97-AF65-F5344CB8AC3E}">
         <p14:creationId xmlns:p14="http://schemas.microsoft.com/office/powerpoint/2010/main" val="2597792727"/>
+      </p:ext>
+    </p:extLst>
+  </p:cSld>
+  <p:clrMapOvr>
+    <a:masterClrMapping/>
+  </p:clrMapOvr>
+</p:sld>
+</file>
+
+<file path=ppt/slides/slide3.xml><?xml version="1.0" encoding="utf-8"?>
+<p:sld xmlns:a="http://schemas.openxmlformats.org/drawingml/2006/main" xmlns:r="http://schemas.openxmlformats.org/officeDocument/2006/relationships" xmlns:p="http://schemas.openxmlformats.org/presentationml/2006/main">
+  <p:cSld>
+    <p:spTree>
+      <p:nvGrpSpPr>
+        <p:cNvPr id="1" name=""/>
+        <p:cNvGrpSpPr/>
+        <p:nvPr/>
+      </p:nvGrpSpPr>
+      <p:grpSpPr>
+        <a:xfrm>
+          <a:off x="0" y="0"/>
+          <a:ext cx="0" cy="0"/>
+          <a:chOff x="0" y="0"/>
+          <a:chExt cx="0" cy="0"/>
+        </a:xfrm>
+      </p:grpSpPr>
+      <p:sp>
+        <p:nvSpPr>
+          <p:cNvPr id="2" name="Title 1">
+            <a:extLst>
+              <a:ext uri="{FF2B5EF4-FFF2-40B4-BE49-F238E27FC236}">
+                <a16:creationId xmlns:a16="http://schemas.microsoft.com/office/drawing/2014/main" id="{C17D5DA0-5556-093B-8B06-9B0DD64EF28C}"/>
+              </a:ext>
+            </a:extLst>
+          </p:cNvPr>
+          <p:cNvSpPr>
+            <a:spLocks noGrp="1"/>
+          </p:cNvSpPr>
+          <p:nvPr>
+            <p:ph type="title"/>
+          </p:nvPr>
+        </p:nvSpPr>
+        <p:spPr/>
+        <p:txBody>
+          <a:bodyPr/>
+          <a:lstStyle/>
+          <a:p>
+            <a:endParaRPr lang="en-US"/>
+          </a:p>
+        </p:txBody>
+      </p:sp>
+      <p:sp>
+        <p:nvSpPr>
+          <p:cNvPr id="3" name="Content Placeholder 2">
+            <a:extLst>
+              <a:ext uri="{FF2B5EF4-FFF2-40B4-BE49-F238E27FC236}">
+                <a16:creationId xmlns:a16="http://schemas.microsoft.com/office/drawing/2014/main" id="{ECED6685-8600-5E4D-0C7B-97189A6093D5}"/>
+              </a:ext>
+            </a:extLst>
+          </p:cNvPr>
+          <p:cNvSpPr>
+            <a:spLocks noGrp="1"/>
+          </p:cNvSpPr>
+          <p:nvPr>
+            <p:ph idx="1"/>
+          </p:nvPr>
+        </p:nvSpPr>
+        <p:spPr/>
+        <p:txBody>
+          <a:bodyPr/>
+          <a:lstStyle/>
+          <a:p>
+            <a:endParaRPr lang="en-US" dirty="0"/>
+          </a:p>
+        </p:txBody>
+      </p:sp>
+      <p:pic>
+        <p:nvPicPr>
+          <p:cNvPr id="5" name="Picture 4">
+            <a:extLst>
+              <a:ext uri="{FF2B5EF4-FFF2-40B4-BE49-F238E27FC236}">
+                <a16:creationId xmlns:a16="http://schemas.microsoft.com/office/drawing/2014/main" id="{DAD32364-61F6-4907-08FE-344F5D7F0BB2}"/>
+              </a:ext>
+            </a:extLst>
+          </p:cNvPr>
+          <p:cNvPicPr>
+            <a:picLocks noChangeAspect="1"/>
+          </p:cNvPicPr>
+          <p:nvPr/>
+        </p:nvPicPr>
+        <p:blipFill>
+          <a:blip r:embed="rId2"/>
+          <a:stretch>
+            <a:fillRect/>
+          </a:stretch>
+        </p:blipFill>
+        <p:spPr>
+          <a:xfrm>
+            <a:off x="500182" y="0"/>
+            <a:ext cx="11191635" cy="6858000"/>
+          </a:xfrm>
+          <a:prstGeom prst="rect">
+            <a:avLst/>
+          </a:prstGeom>
+        </p:spPr>
+      </p:pic>
+    </p:spTree>
+    <p:extLst>
+      <p:ext uri="{BB962C8B-B14F-4D97-AF65-F5344CB8AC3E}">
+        <p14:creationId xmlns:p14="http://schemas.microsoft.com/office/powerpoint/2010/main" val="4227241343"/>
+      </p:ext>
+    </p:extLst>
+  </p:cSld>
+  <p:clrMapOvr>
+    <a:masterClrMapping/>
+  </p:clrMapOvr>
+</p:sld>
+</file>
+
+<file path=ppt/slides/slide4.xml><?xml version="1.0" encoding="utf-8"?>
+<p:sld xmlns:a="http://schemas.openxmlformats.org/drawingml/2006/main" xmlns:r="http://schemas.openxmlformats.org/officeDocument/2006/relationships" xmlns:p="http://schemas.openxmlformats.org/presentationml/2006/main">
+  <p:cSld>
+    <p:spTree>
+      <p:nvGrpSpPr>
+        <p:cNvPr id="1" name=""/>
+        <p:cNvGrpSpPr/>
+        <p:nvPr/>
+      </p:nvGrpSpPr>
+      <p:grpSpPr>
+        <a:xfrm>
+          <a:off x="0" y="0"/>
+          <a:ext cx="0" cy="0"/>
+          <a:chOff x="0" y="0"/>
+          <a:chExt cx="0" cy="0"/>
+        </a:xfrm>
+      </p:grpSpPr>
+      <p:sp>
+        <p:nvSpPr>
+          <p:cNvPr id="2" name="Title 1">
+            <a:extLst>
+              <a:ext uri="{FF2B5EF4-FFF2-40B4-BE49-F238E27FC236}">
+                <a16:creationId xmlns:a16="http://schemas.microsoft.com/office/drawing/2014/main" id="{C17D5DA0-5556-093B-8B06-9B0DD64EF28C}"/>
+              </a:ext>
+            </a:extLst>
+          </p:cNvPr>
+          <p:cNvSpPr>
+            <a:spLocks noGrp="1"/>
+          </p:cNvSpPr>
+          <p:nvPr>
+            <p:ph type="title"/>
+          </p:nvPr>
+        </p:nvSpPr>
+        <p:spPr/>
+        <p:txBody>
+          <a:bodyPr/>
+          <a:lstStyle/>
+          <a:p>
+            <a:endParaRPr lang="en-US"/>
+          </a:p>
+        </p:txBody>
+      </p:sp>
+      <p:sp>
+        <p:nvSpPr>
+          <p:cNvPr id="3" name="Content Placeholder 2">
+            <a:extLst>
+              <a:ext uri="{FF2B5EF4-FFF2-40B4-BE49-F238E27FC236}">
+                <a16:creationId xmlns:a16="http://schemas.microsoft.com/office/drawing/2014/main" id="{ECED6685-8600-5E4D-0C7B-97189A6093D5}"/>
+              </a:ext>
+            </a:extLst>
+          </p:cNvPr>
+          <p:cNvSpPr>
+            <a:spLocks noGrp="1"/>
+          </p:cNvSpPr>
+          <p:nvPr>
+            <p:ph idx="1"/>
+          </p:nvPr>
+        </p:nvSpPr>
+        <p:spPr/>
+        <p:txBody>
+          <a:bodyPr/>
+          <a:lstStyle/>
+          <a:p>
+            <a:endParaRPr lang="en-US" dirty="0"/>
+          </a:p>
+        </p:txBody>
+      </p:sp>
+      <p:pic>
+        <p:nvPicPr>
+          <p:cNvPr id="7" name="Picture 6">
+            <a:extLst>
+              <a:ext uri="{FF2B5EF4-FFF2-40B4-BE49-F238E27FC236}">
+                <a16:creationId xmlns:a16="http://schemas.microsoft.com/office/drawing/2014/main" id="{B248B098-4B06-031C-E680-857F91B4A867}"/>
+              </a:ext>
+            </a:extLst>
+          </p:cNvPr>
+          <p:cNvPicPr>
+            <a:picLocks noChangeAspect="1"/>
+          </p:cNvPicPr>
+          <p:nvPr/>
+        </p:nvPicPr>
+        <p:blipFill>
+          <a:blip r:embed="rId2"/>
+          <a:stretch>
+            <a:fillRect/>
+          </a:stretch>
+        </p:blipFill>
+        <p:spPr>
+          <a:xfrm>
+            <a:off x="886092" y="-10976"/>
+            <a:ext cx="10419816" cy="6868976"/>
+          </a:xfrm>
+          <a:prstGeom prst="rect">
+            <a:avLst/>
+          </a:prstGeom>
+        </p:spPr>
+      </p:pic>
+    </p:spTree>
+    <p:extLst>
+      <p:ext uri="{BB962C8B-B14F-4D97-AF65-F5344CB8AC3E}">
+        <p14:creationId xmlns:p14="http://schemas.microsoft.com/office/powerpoint/2010/main" val="3945920083"/>
+      </p:ext>
+    </p:extLst>
+  </p:cSld>
+  <p:clrMapOvr>
+    <a:masterClrMapping/>
+  </p:clrMapOvr>
+</p:sld>
+</file>
+
+<file path=ppt/slides/slide5.xml><?xml version="1.0" encoding="utf-8"?>
+<p:sld xmlns:a="http://schemas.openxmlformats.org/drawingml/2006/main" xmlns:r="http://schemas.openxmlformats.org/officeDocument/2006/relationships" xmlns:p="http://schemas.openxmlformats.org/presentationml/2006/main">
+  <p:cSld>
+    <p:spTree>
+      <p:nvGrpSpPr>
+        <p:cNvPr id="1" name=""/>
+        <p:cNvGrpSpPr/>
+        <p:nvPr/>
+      </p:nvGrpSpPr>
+      <p:grpSpPr>
+        <a:xfrm>
+          <a:off x="0" y="0"/>
+          <a:ext cx="0" cy="0"/>
+          <a:chOff x="0" y="0"/>
+          <a:chExt cx="0" cy="0"/>
+        </a:xfrm>
+      </p:grpSpPr>
+      <p:sp>
+        <p:nvSpPr>
+          <p:cNvPr id="2" name="Title 1">
+            <a:extLst>
+              <a:ext uri="{FF2B5EF4-FFF2-40B4-BE49-F238E27FC236}">
+                <a16:creationId xmlns:a16="http://schemas.microsoft.com/office/drawing/2014/main" id="{5A5C1AEB-A1B7-36AD-2320-15612F8D3153}"/>
+              </a:ext>
+            </a:extLst>
+          </p:cNvPr>
+          <p:cNvSpPr>
+            <a:spLocks noGrp="1"/>
+          </p:cNvSpPr>
+          <p:nvPr>
+            <p:ph type="title"/>
+          </p:nvPr>
+        </p:nvSpPr>
+        <p:spPr/>
+        <p:txBody>
+          <a:bodyPr/>
+          <a:lstStyle/>
+          <a:p>
+            <a:endParaRPr lang="en-US"/>
+          </a:p>
+        </p:txBody>
+      </p:sp>
+      <p:sp>
+        <p:nvSpPr>
+          <p:cNvPr id="3" name="Content Placeholder 2">
+            <a:extLst>
+              <a:ext uri="{FF2B5EF4-FFF2-40B4-BE49-F238E27FC236}">
+                <a16:creationId xmlns:a16="http://schemas.microsoft.com/office/drawing/2014/main" id="{C3BAB3A5-55A1-C157-E440-878083144D72}"/>
+              </a:ext>
+            </a:extLst>
+          </p:cNvPr>
+          <p:cNvSpPr>
+            <a:spLocks noGrp="1"/>
+          </p:cNvSpPr>
+          <p:nvPr>
+            <p:ph idx="1"/>
+          </p:nvPr>
+        </p:nvSpPr>
+        <p:spPr/>
+        <p:txBody>
+          <a:bodyPr/>
+          <a:lstStyle/>
+          <a:p>
+            <a:endParaRPr lang="en-US"/>
+          </a:p>
+        </p:txBody>
+      </p:sp>
+      <p:pic>
+        <p:nvPicPr>
+          <p:cNvPr id="5" name="Picture 4">
+            <a:extLst>
+              <a:ext uri="{FF2B5EF4-FFF2-40B4-BE49-F238E27FC236}">
+                <a16:creationId xmlns:a16="http://schemas.microsoft.com/office/drawing/2014/main" id="{858365D1-1B56-C656-8B47-F4BBE67AC3DC}"/>
+              </a:ext>
+            </a:extLst>
+          </p:cNvPr>
+          <p:cNvPicPr>
+            <a:picLocks noChangeAspect="1"/>
+          </p:cNvPicPr>
+          <p:nvPr/>
+        </p:nvPicPr>
+        <p:blipFill>
+          <a:blip r:embed="rId2"/>
+          <a:stretch>
+            <a:fillRect/>
+          </a:stretch>
+        </p:blipFill>
+        <p:spPr>
+          <a:xfrm>
+            <a:off x="0" y="85331"/>
+            <a:ext cx="12192000" cy="6687338"/>
+          </a:xfrm>
+          <a:prstGeom prst="rect">
+            <a:avLst/>
+          </a:prstGeom>
+        </p:spPr>
+      </p:pic>
+    </p:spTree>
+    <p:extLst>
+      <p:ext uri="{BB962C8B-B14F-4D97-AF65-F5344CB8AC3E}">
+        <p14:creationId xmlns:p14="http://schemas.microsoft.com/office/powerpoint/2010/main" val="853359395"/>
+      </p:ext>
+    </p:extLst>
+  </p:cSld>
+  <p:clrMapOvr>
+    <a:masterClrMapping/>
+  </p:clrMapOvr>
+</p:sld>
+</file>
+
+<file path=ppt/slides/slide6.xml><?xml version="1.0" encoding="utf-8"?>
+<p:sld xmlns:a="http://schemas.openxmlformats.org/drawingml/2006/main" xmlns:r="http://schemas.openxmlformats.org/officeDocument/2006/relationships" xmlns:p="http://schemas.openxmlformats.org/presentationml/2006/main">
+  <p:cSld>
+    <p:spTree>
+      <p:nvGrpSpPr>
+        <p:cNvPr id="1" name=""/>
+        <p:cNvGrpSpPr/>
+        <p:nvPr/>
+      </p:nvGrpSpPr>
+      <p:grpSpPr>
+        <a:xfrm>
+          <a:off x="0" y="0"/>
+          <a:ext cx="0" cy="0"/>
+          <a:chOff x="0" y="0"/>
+          <a:chExt cx="0" cy="0"/>
+        </a:xfrm>
+      </p:grpSpPr>
+      <p:sp>
+        <p:nvSpPr>
+          <p:cNvPr id="2" name="Title 1">
+            <a:extLst>
+              <a:ext uri="{FF2B5EF4-FFF2-40B4-BE49-F238E27FC236}">
+                <a16:creationId xmlns:a16="http://schemas.microsoft.com/office/drawing/2014/main" id="{CF5868F5-4AF5-1281-6DFD-65F6BA6BB3F2}"/>
+              </a:ext>
+            </a:extLst>
+          </p:cNvPr>
+          <p:cNvSpPr>
+            <a:spLocks noGrp="1"/>
+          </p:cNvSpPr>
+          <p:nvPr>
+            <p:ph type="title"/>
+          </p:nvPr>
+        </p:nvSpPr>
+        <p:spPr/>
+        <p:txBody>
+          <a:bodyPr/>
+          <a:lstStyle/>
+          <a:p>
+            <a:endParaRPr lang="en-US"/>
+          </a:p>
+        </p:txBody>
+      </p:sp>
+      <p:sp>
+        <p:nvSpPr>
+          <p:cNvPr id="3" name="Content Placeholder 2">
+            <a:extLst>
+              <a:ext uri="{FF2B5EF4-FFF2-40B4-BE49-F238E27FC236}">
+                <a16:creationId xmlns:a16="http://schemas.microsoft.com/office/drawing/2014/main" id="{E36FEB63-39FC-632B-72C4-B9E586EF1F63}"/>
+              </a:ext>
+            </a:extLst>
+          </p:cNvPr>
+          <p:cNvSpPr>
+            <a:spLocks noGrp="1"/>
+          </p:cNvSpPr>
+          <p:nvPr>
+            <p:ph idx="1"/>
+          </p:nvPr>
+        </p:nvSpPr>
+        <p:spPr/>
+        <p:txBody>
+          <a:bodyPr/>
+          <a:lstStyle/>
+          <a:p>
+            <a:endParaRPr lang="en-US"/>
+          </a:p>
+        </p:txBody>
+      </p:sp>
+      <p:pic>
+        <p:nvPicPr>
+          <p:cNvPr id="5" name="Picture 4">
+            <a:extLst>
+              <a:ext uri="{FF2B5EF4-FFF2-40B4-BE49-F238E27FC236}">
+                <a16:creationId xmlns:a16="http://schemas.microsoft.com/office/drawing/2014/main" id="{20532B40-FAFF-C832-1F59-9DC81E1286DC}"/>
+              </a:ext>
+            </a:extLst>
+          </p:cNvPr>
+          <p:cNvPicPr>
+            <a:picLocks noChangeAspect="1"/>
+          </p:cNvPicPr>
+          <p:nvPr/>
+        </p:nvPicPr>
+        <p:blipFill>
+          <a:blip r:embed="rId2"/>
+          <a:stretch>
+            <a:fillRect/>
+          </a:stretch>
+        </p:blipFill>
+        <p:spPr>
+          <a:xfrm>
+            <a:off x="1039310" y="0"/>
+            <a:ext cx="10113380" cy="6858000"/>
+          </a:xfrm>
+          <a:prstGeom prst="rect">
+            <a:avLst/>
+          </a:prstGeom>
+        </p:spPr>
+      </p:pic>
+    </p:spTree>
+    <p:extLst>
+      <p:ext uri="{BB962C8B-B14F-4D97-AF65-F5344CB8AC3E}">
+        <p14:creationId xmlns:p14="http://schemas.microsoft.com/office/powerpoint/2010/main" val="912883411"/>
+      </p:ext>
+    </p:extLst>
+  </p:cSld>
+  <p:clrMapOvr>
+    <a:masterClrMapping/>
+  </p:clrMapOvr>
+</p:sld>
+</file>
+
+<file path=ppt/slides/slide7.xml><?xml version="1.0" encoding="utf-8"?>
+<p:sld xmlns:a="http://schemas.openxmlformats.org/drawingml/2006/main" xmlns:r="http://schemas.openxmlformats.org/officeDocument/2006/relationships" xmlns:p="http://schemas.openxmlformats.org/presentationml/2006/main">
+  <p:cSld>
+    <p:spTree>
+      <p:nvGrpSpPr>
+        <p:cNvPr id="1" name=""/>
+        <p:cNvGrpSpPr/>
+        <p:nvPr/>
+      </p:nvGrpSpPr>
+      <p:grpSpPr>
+        <a:xfrm>
+          <a:off x="0" y="0"/>
+          <a:ext cx="0" cy="0"/>
+          <a:chOff x="0" y="0"/>
+          <a:chExt cx="0" cy="0"/>
+        </a:xfrm>
+      </p:grpSpPr>
+      <p:sp>
+        <p:nvSpPr>
+          <p:cNvPr id="2" name="Title 1">
+            <a:extLst>
+              <a:ext uri="{FF2B5EF4-FFF2-40B4-BE49-F238E27FC236}">
+                <a16:creationId xmlns:a16="http://schemas.microsoft.com/office/drawing/2014/main" id="{51417C98-E3B7-C1BB-1967-336D7EB03F65}"/>
+              </a:ext>
+            </a:extLst>
+          </p:cNvPr>
+          <p:cNvSpPr>
+            <a:spLocks noGrp="1"/>
+          </p:cNvSpPr>
+          <p:nvPr>
+            <p:ph type="title"/>
+          </p:nvPr>
+        </p:nvSpPr>
+        <p:spPr/>
+        <p:txBody>
+          <a:bodyPr/>
+          <a:lstStyle/>
+          <a:p>
+            <a:endParaRPr lang="en-US"/>
+          </a:p>
+        </p:txBody>
+      </p:sp>
+      <p:sp>
+        <p:nvSpPr>
+          <p:cNvPr id="3" name="Content Placeholder 2">
+            <a:extLst>
+              <a:ext uri="{FF2B5EF4-FFF2-40B4-BE49-F238E27FC236}">
+                <a16:creationId xmlns:a16="http://schemas.microsoft.com/office/drawing/2014/main" id="{73555112-245E-CA41-2810-930094DCB380}"/>
+              </a:ext>
+            </a:extLst>
+          </p:cNvPr>
+          <p:cNvSpPr>
+            <a:spLocks noGrp="1"/>
+          </p:cNvSpPr>
+          <p:nvPr>
+            <p:ph idx="1"/>
+          </p:nvPr>
+        </p:nvSpPr>
+        <p:spPr/>
+        <p:txBody>
+          <a:bodyPr/>
+          <a:lstStyle/>
+          <a:p>
+            <a:endParaRPr lang="en-US"/>
+          </a:p>
+        </p:txBody>
+      </p:sp>
+      <p:pic>
+        <p:nvPicPr>
+          <p:cNvPr id="4" name="Picture 3">
+            <a:extLst>
+              <a:ext uri="{FF2B5EF4-FFF2-40B4-BE49-F238E27FC236}">
+                <a16:creationId xmlns:a16="http://schemas.microsoft.com/office/drawing/2014/main" id="{597F5A7D-9027-E783-2D73-21B0B6F491BE}"/>
+              </a:ext>
+            </a:extLst>
+          </p:cNvPr>
+          <p:cNvPicPr>
+            <a:picLocks noChangeAspect="1"/>
+          </p:cNvPicPr>
+          <p:nvPr/>
+        </p:nvPicPr>
+        <p:blipFill>
+          <a:blip r:embed="rId2"/>
+          <a:stretch>
+            <a:fillRect/>
+          </a:stretch>
+        </p:blipFill>
+        <p:spPr>
+          <a:xfrm>
+            <a:off x="676958" y="0"/>
+            <a:ext cx="10676842" cy="6829472"/>
+          </a:xfrm>
+          <a:prstGeom prst="rect">
+            <a:avLst/>
+          </a:prstGeom>
+        </p:spPr>
+      </p:pic>
+    </p:spTree>
+    <p:extLst>
+      <p:ext uri="{BB962C8B-B14F-4D97-AF65-F5344CB8AC3E}">
+        <p14:creationId xmlns:p14="http://schemas.microsoft.com/office/powerpoint/2010/main" val="3219829748"/>
       </p:ext>
     </p:extLst>
   </p:cSld>
